--- a/PPT/DatabaseLecture_5.pptx
+++ b/PPT/DatabaseLecture_5.pptx
@@ -197,6 +197,22 @@
       </a:defRPr>
     </a:lvl9pPr>
   </p:defaultTextStyle>
+  <p:extLst>
+    <p:ext uri="{EFAFB233-063F-42B5-8137-9DF3F51BA10A}">
+      <p15:sldGuideLst xmlns:p15="http://schemas.microsoft.com/office/powerpoint/2012/main">
+        <p15:guide id="1" orient="horz" pos="2160">
+          <p15:clr>
+            <a:srgbClr val="A4A3A4"/>
+          </p15:clr>
+        </p15:guide>
+        <p15:guide id="2" pos="2880">
+          <p15:clr>
+            <a:srgbClr val="A4A3A4"/>
+          </p15:clr>
+        </p15:guide>
+      </p15:sldGuideLst>
+    </p:ext>
+  </p:extLst>
 </p:presentation>
 </file>
 
@@ -792,35 +808,35 @@
           <a:p>
             <a:pPr lvl="0"/>
             <a:r>
-              <a:rPr lang="zh-TW" altLang="en-US" smtClean="0"/>
+              <a:rPr lang="zh-TW" altLang="en-US"/>
               <a:t>按一下以編輯母片</a:t>
             </a:r>
           </a:p>
           <a:p>
             <a:pPr lvl="1"/>
             <a:r>
-              <a:rPr lang="zh-TW" altLang="en-US" smtClean="0"/>
+              <a:rPr lang="zh-TW" altLang="en-US"/>
               <a:t>第二層</a:t>
             </a:r>
           </a:p>
           <a:p>
             <a:pPr lvl="2"/>
             <a:r>
-              <a:rPr lang="zh-TW" altLang="en-US" smtClean="0"/>
+              <a:rPr lang="zh-TW" altLang="en-US"/>
               <a:t>第三層</a:t>
             </a:r>
           </a:p>
           <a:p>
             <a:pPr lvl="3"/>
             <a:r>
-              <a:rPr lang="zh-TW" altLang="en-US" smtClean="0"/>
+              <a:rPr lang="zh-TW" altLang="en-US"/>
               <a:t>第四層</a:t>
             </a:r>
           </a:p>
           <a:p>
             <a:pPr lvl="4"/>
             <a:r>
-              <a:rPr lang="zh-TW" altLang="en-US" smtClean="0"/>
+              <a:rPr lang="zh-TW" altLang="en-US"/>
               <a:t>第五層</a:t>
             </a:r>
           </a:p>
@@ -1176,7 +1192,7 @@
           <a:bodyPr/>
           <a:lstStyle/>
           <a:p>
-            <a:endParaRPr lang="zh-TW" altLang="zh-TW"/>
+            <a:endParaRPr lang="zh-TW" altLang="zh-TW" dirty="0"/>
           </a:p>
         </p:txBody>
       </p:sp>
@@ -1680,7 +1696,7 @@
           <a:bodyPr/>
           <a:lstStyle/>
           <a:p>
-            <a:endParaRPr lang="zh-TW" altLang="zh-TW"/>
+            <a:endParaRPr lang="zh-TW" altLang="zh-TW" dirty="0"/>
           </a:p>
         </p:txBody>
       </p:sp>
@@ -2268,7 +2284,119 @@
           <a:bodyPr/>
           <a:lstStyle/>
           <a:p>
-            <a:endParaRPr lang="zh-TW" altLang="zh-TW"/>
+            <a:r>
+              <a:rPr lang="zh-TW" altLang="en-US" dirty="0"/>
+              <a:t>有三總 </a:t>
+            </a:r>
+            <a:r>
+              <a:rPr lang="en-US" altLang="zh-TW" dirty="0"/>
+              <a:t>relation</a:t>
+            </a:r>
+            <a:r>
+              <a:rPr lang="zh-TW" altLang="en-US" dirty="0"/>
+              <a:t> </a:t>
+            </a:r>
+            <a:r>
+              <a:rPr lang="en-US" altLang="zh-TW" dirty="0"/>
+              <a:t>ship</a:t>
+            </a:r>
+            <a:r>
+              <a:rPr lang="zh-TW" altLang="en-US" dirty="0"/>
+              <a:t> </a:t>
+            </a:r>
+            <a:endParaRPr lang="en-US" altLang="zh-TW" dirty="0"/>
+          </a:p>
+          <a:p>
+            <a:r>
+              <a:rPr lang="en-US" altLang="zh-TW" dirty="0"/>
+              <a:t>Many  to many </a:t>
+            </a:r>
+          </a:p>
+          <a:p>
+            <a:pPr marL="0" marR="0" lvl="0" indent="0" algn="l" defTabSz="914400" rtl="0" eaLnBrk="1" fontAlgn="base" latinLnBrk="0" hangingPunct="1">
+              <a:lnSpc>
+                <a:spcPct val="100000"/>
+              </a:lnSpc>
+              <a:spcBef>
+                <a:spcPct val="30000"/>
+              </a:spcBef>
+              <a:spcAft>
+                <a:spcPct val="0"/>
+              </a:spcAft>
+              <a:buClrTx/>
+              <a:buSzTx/>
+              <a:buFontTx/>
+              <a:buNone/>
+              <a:tabLst/>
+              <a:defRPr/>
+            </a:pPr>
+            <a:r>
+              <a:rPr kumimoji="1" lang="zh-TW" altLang="en-US" sz="1200" b="0" i="0" kern="1200" dirty="0">
+                <a:solidFill>
+                  <a:schemeClr val="tx1"/>
+                </a:solidFill>
+                <a:effectLst/>
+                <a:latin typeface="Arial" charset="0"/>
+                <a:ea typeface="新細明體" charset="-120"/>
+                <a:cs typeface="+mn-cs"/>
+              </a:rPr>
+              <a:t>⭐</a:t>
+            </a:r>
+            <a:r>
+              <a:rPr lang="en-US" altLang="zh-TW" dirty="0"/>
+              <a:t>Many  to  one=&gt; </a:t>
+            </a:r>
+            <a:r>
+              <a:rPr lang="zh-TW" altLang="en-US" dirty="0"/>
+              <a:t>很多個對一個</a:t>
+            </a:r>
+            <a:endParaRPr lang="en-US" altLang="zh-TW" dirty="0"/>
+          </a:p>
+          <a:p>
+            <a:pPr marL="0" marR="0" lvl="0" indent="0" algn="l" defTabSz="914400" rtl="0" eaLnBrk="1" fontAlgn="base" latinLnBrk="0" hangingPunct="1">
+              <a:lnSpc>
+                <a:spcPct val="100000"/>
+              </a:lnSpc>
+              <a:spcBef>
+                <a:spcPct val="30000"/>
+              </a:spcBef>
+              <a:spcAft>
+                <a:spcPct val="0"/>
+              </a:spcAft>
+              <a:buClrTx/>
+              <a:buSzTx/>
+              <a:buFontTx/>
+              <a:buNone/>
+              <a:tabLst/>
+              <a:defRPr/>
+            </a:pPr>
+            <a:r>
+              <a:rPr lang="en-US" altLang="zh-TW" dirty="0"/>
+              <a:t>One to one</a:t>
+            </a:r>
+          </a:p>
+          <a:p>
+            <a:pPr marL="0" marR="0" lvl="0" indent="0" algn="l" defTabSz="914400" rtl="0" eaLnBrk="1" fontAlgn="base" latinLnBrk="0" hangingPunct="1">
+              <a:lnSpc>
+                <a:spcPct val="100000"/>
+              </a:lnSpc>
+              <a:spcBef>
+                <a:spcPct val="30000"/>
+              </a:spcBef>
+              <a:spcAft>
+                <a:spcPct val="0"/>
+              </a:spcAft>
+              <a:buClrTx/>
+              <a:buSzTx/>
+              <a:buFontTx/>
+              <a:buNone/>
+              <a:tabLst/>
+              <a:defRPr/>
+            </a:pPr>
+            <a:endParaRPr lang="en-US" altLang="zh-TW" dirty="0"/>
+          </a:p>
+          <a:p>
+            <a:endParaRPr lang="zh-TW" altLang="zh-TW" dirty="0"/>
           </a:p>
         </p:txBody>
       </p:sp>
@@ -2772,7 +2900,23 @@
           <a:bodyPr/>
           <a:lstStyle/>
           <a:p>
-            <a:endParaRPr lang="zh-TW" altLang="zh-TW"/>
+            <a:r>
+              <a:rPr lang="en-US" altLang="zh-TW" sz="1200" i="1" u="sng" dirty="0">
+                <a:solidFill>
+                  <a:srgbClr val="0000CC"/>
+                </a:solidFill>
+              </a:rPr>
+              <a:t>rounded arrow</a:t>
+            </a:r>
+            <a:r>
+              <a:rPr lang="en-US" altLang="zh-TW" dirty="0"/>
+              <a:t>. </a:t>
+            </a:r>
+            <a:r>
+              <a:rPr lang="zh-TW" altLang="en-US" dirty="0"/>
+              <a:t>圓弧箭頭</a:t>
+            </a:r>
+            <a:endParaRPr lang="zh-TW" altLang="zh-TW" dirty="0"/>
           </a:p>
         </p:txBody>
       </p:sp>
@@ -2856,7 +3000,25 @@
           <a:bodyPr/>
           <a:lstStyle/>
           <a:p>
-            <a:endParaRPr lang="zh-TW" altLang="zh-TW"/>
+            <a:r>
+              <a:rPr lang="zh-TW" altLang="en-US" dirty="0"/>
+              <a:t>圓弧箭頭 代表 </a:t>
+            </a:r>
+            <a:endParaRPr lang="en-US" altLang="zh-TW" dirty="0"/>
+          </a:p>
+          <a:p>
+            <a:r>
+              <a:rPr lang="zh-TW" altLang="en-US" dirty="0"/>
+              <a:t>球員都會對應到背號</a:t>
+            </a:r>
+            <a:endParaRPr lang="en-US" altLang="zh-TW" dirty="0"/>
+          </a:p>
+          <a:p>
+            <a:r>
+              <a:rPr lang="zh-TW" altLang="en-US" dirty="0"/>
+              <a:t>背號會有些沒有被用到</a:t>
+            </a:r>
+            <a:endParaRPr lang="en-US" altLang="zh-TW" dirty="0"/>
           </a:p>
         </p:txBody>
       </p:sp>
@@ -3024,7 +3186,52 @@
           <a:bodyPr/>
           <a:lstStyle/>
           <a:p>
-            <a:endParaRPr lang="zh-TW" altLang="zh-TW"/>
+            <a:r>
+              <a:rPr lang="zh-TW" altLang="en-US" dirty="0"/>
+              <a:t>舉例 購物網站</a:t>
+            </a:r>
+            <a:endParaRPr lang="en-US" altLang="zh-TW" dirty="0"/>
+          </a:p>
+          <a:p>
+            <a:r>
+              <a:rPr lang="zh-TW" altLang="en-US" dirty="0"/>
+              <a:t>元件 </a:t>
+            </a:r>
+            <a:r>
+              <a:rPr lang="en-US" altLang="zh-TW" dirty="0"/>
+              <a:t>=&gt;</a:t>
+            </a:r>
+            <a:r>
+              <a:rPr lang="zh-TW" altLang="en-US" dirty="0"/>
+              <a:t> </a:t>
+            </a:r>
+            <a:endParaRPr lang="en-US" altLang="zh-TW" dirty="0"/>
+          </a:p>
+          <a:p>
+            <a:endParaRPr lang="en-US" altLang="zh-TW" dirty="0"/>
+          </a:p>
+          <a:p>
+            <a:r>
+              <a:rPr lang="zh-TW" altLang="en-US" dirty="0"/>
+              <a:t>資料庫至少要與一張</a:t>
+            </a:r>
+            <a:r>
+              <a:rPr lang="en-US" altLang="zh-TW" dirty="0"/>
+              <a:t>E/R</a:t>
+            </a:r>
+            <a:r>
+              <a:rPr lang="zh-TW" altLang="en-US" dirty="0"/>
+              <a:t> </a:t>
+            </a:r>
+            <a:r>
+              <a:rPr lang="en-US" altLang="zh-TW" dirty="0"/>
+              <a:t>model</a:t>
+            </a:r>
+            <a:r>
+              <a:rPr lang="zh-TW" altLang="en-US" dirty="0"/>
+              <a:t> 海報上面也要有</a:t>
+            </a:r>
+            <a:endParaRPr lang="zh-TW" altLang="zh-TW" dirty="0"/>
           </a:p>
         </p:txBody>
       </p:sp>
@@ -3276,7 +3483,52 @@
           <a:bodyPr/>
           <a:lstStyle/>
           <a:p>
-            <a:endParaRPr lang="zh-TW" altLang="zh-TW"/>
+            <a:r>
+              <a:rPr lang="zh-TW" altLang="en-US" dirty="0"/>
+              <a:t>課本是這樣畫的</a:t>
+            </a:r>
+            <a:endParaRPr lang="en-US" altLang="zh-TW" dirty="0"/>
+          </a:p>
+          <a:p>
+            <a:r>
+              <a:rPr lang="zh-TW" altLang="en-US" dirty="0"/>
+              <a:t>但是信宏說可以用</a:t>
+            </a:r>
+            <a:r>
+              <a:rPr lang="en-US" altLang="zh-TW" dirty="0"/>
+              <a:t>30</a:t>
+            </a:r>
+            <a:r>
+              <a:rPr lang="zh-TW" altLang="en-US" dirty="0"/>
+              <a:t>業的畫法</a:t>
+            </a:r>
+            <a:endParaRPr lang="en-US" altLang="zh-TW" dirty="0"/>
+          </a:p>
+          <a:p>
+            <a:endParaRPr lang="en-US" altLang="zh-TW" dirty="0"/>
+          </a:p>
+          <a:p>
+            <a:r>
+              <a:rPr lang="zh-TW" altLang="en-US" dirty="0"/>
+              <a:t>一個</a:t>
+            </a:r>
+            <a:r>
+              <a:rPr lang="en-US" altLang="zh-TW" dirty="0"/>
+              <a:t>relation</a:t>
+            </a:r>
+            <a:r>
+              <a:rPr lang="zh-TW" altLang="en-US" dirty="0"/>
+              <a:t> </a:t>
+            </a:r>
+            <a:r>
+              <a:rPr lang="en-US" altLang="zh-TW" dirty="0"/>
+              <a:t>ship</a:t>
+            </a:r>
+            <a:r>
+              <a:rPr lang="zh-TW" altLang="en-US" dirty="0"/>
+              <a:t> 也會是一張表</a:t>
+            </a:r>
+            <a:endParaRPr lang="zh-TW" altLang="zh-TW" dirty="0"/>
           </a:p>
         </p:txBody>
       </p:sp>
@@ -3864,7 +4116,17 @@
           <a:bodyPr/>
           <a:lstStyle/>
           <a:p>
-            <a:endParaRPr lang="zh-TW" altLang="zh-TW"/>
+            <a:r>
+              <a:rPr lang="en-US" altLang="zh-TW" dirty="0"/>
+              <a:t>Dept number </a:t>
+            </a:r>
+          </a:p>
+          <a:p>
+            <a:r>
+              <a:rPr lang="en-US" altLang="zh-TW" dirty="0"/>
+              <a:t>Hours room</a:t>
+            </a:r>
+            <a:endParaRPr lang="zh-TW" altLang="zh-TW" dirty="0"/>
           </a:p>
         </p:txBody>
       </p:sp>
@@ -4032,7 +4294,15 @@
           <a:bodyPr/>
           <a:lstStyle/>
           <a:p>
-            <a:endParaRPr lang="zh-TW" altLang="zh-TW"/>
+            <a:r>
+              <a:rPr lang="en-US" altLang="zh-TW" dirty="0"/>
+              <a:t>Key attribute </a:t>
+            </a:r>
+            <a:r>
+              <a:rPr lang="zh-TW" altLang="en-US" dirty="0"/>
+              <a:t>畫底線</a:t>
+            </a:r>
+            <a:endParaRPr lang="zh-TW" altLang="zh-TW" dirty="0"/>
           </a:p>
         </p:txBody>
       </p:sp>
@@ -4116,7 +4386,27 @@
           <a:bodyPr/>
           <a:lstStyle/>
           <a:p>
-            <a:endParaRPr lang="zh-TW" altLang="zh-TW"/>
+            <a:r>
+              <a:rPr lang="en-US" altLang="zh-TW" dirty="0"/>
+              <a:t>Title </a:t>
+            </a:r>
+            <a:r>
+              <a:rPr lang="zh-TW" altLang="en-US" dirty="0"/>
+              <a:t>是 </a:t>
+            </a:r>
+            <a:r>
+              <a:rPr lang="en-US" altLang="zh-TW" dirty="0"/>
+              <a:t>key</a:t>
+            </a:r>
+            <a:r>
+              <a:rPr lang="zh-TW" altLang="en-US" dirty="0"/>
+              <a:t> </a:t>
+            </a:r>
+            <a:r>
+              <a:rPr lang="en-US" altLang="zh-TW" dirty="0"/>
+              <a:t>attribute</a:t>
+            </a:r>
+            <a:endParaRPr lang="zh-TW" altLang="zh-TW" dirty="0"/>
           </a:p>
         </p:txBody>
       </p:sp>
@@ -4200,7 +4490,18 @@
           <a:bodyPr/>
           <a:lstStyle/>
           <a:p>
-            <a:endParaRPr lang="zh-TW" altLang="zh-TW"/>
+            <a:r>
+              <a:rPr lang="en-US" altLang="zh-TW" dirty="0"/>
+              <a:t>Weak entity set </a:t>
+            </a:r>
+            <a:r>
+              <a:rPr lang="zh-TW" altLang="en-US" dirty="0"/>
+              <a:t>一定考呀</a:t>
+            </a:r>
+            <a:endParaRPr lang="en-US" altLang="zh-TW" dirty="0"/>
+          </a:p>
+          <a:p>
+            <a:endParaRPr lang="zh-TW" altLang="zh-TW" dirty="0"/>
           </a:p>
         </p:txBody>
       </p:sp>
@@ -4284,7 +4585,36 @@
           <a:bodyPr/>
           <a:lstStyle/>
           <a:p>
-            <a:endParaRPr lang="zh-TW" altLang="zh-TW"/>
+            <a:r>
+              <a:rPr lang="en-US" altLang="zh-TW" dirty="0"/>
+              <a:t>Name </a:t>
+            </a:r>
+            <a:r>
+              <a:rPr lang="zh-TW" altLang="en-US" dirty="0"/>
+              <a:t>跟 </a:t>
+            </a:r>
+            <a:r>
+              <a:rPr lang="en-US" altLang="zh-TW" dirty="0"/>
+              <a:t>number</a:t>
+            </a:r>
+            <a:r>
+              <a:rPr lang="zh-TW" altLang="en-US" dirty="0"/>
+              <a:t> 沒辦法把所有的棒球選手分開</a:t>
+            </a:r>
+            <a:endParaRPr lang="en-US" altLang="zh-TW" dirty="0"/>
+          </a:p>
+          <a:p>
+            <a:r>
+              <a:rPr lang="zh-TW" altLang="en-US" dirty="0"/>
+              <a:t>所有有背號的棒球選手 一定會有</a:t>
+            </a:r>
+            <a:r>
+              <a:rPr lang="en-US" altLang="zh-TW" dirty="0"/>
+              <a:t>team</a:t>
+            </a:r>
+          </a:p>
+          <a:p>
+            <a:endParaRPr lang="zh-TW" altLang="zh-TW" dirty="0"/>
           </a:p>
         </p:txBody>
       </p:sp>
@@ -4368,7 +4698,7 @@
           <a:bodyPr/>
           <a:lstStyle/>
           <a:p>
-            <a:endParaRPr lang="zh-TW" altLang="zh-TW"/>
+            <a:endParaRPr lang="zh-TW" altLang="zh-TW" dirty="0"/>
           </a:p>
         </p:txBody>
       </p:sp>
@@ -4452,7 +4782,37 @@
           <a:bodyPr/>
           <a:lstStyle/>
           <a:p>
-            <a:endParaRPr lang="zh-TW" altLang="zh-TW"/>
+            <a:r>
+              <a:rPr lang="zh-TW" altLang="en-US" dirty="0"/>
+              <a:t>一個</a:t>
+            </a:r>
+            <a:r>
+              <a:rPr lang="en-US" altLang="zh-TW" dirty="0"/>
+              <a:t>server</a:t>
+            </a:r>
+            <a:r>
+              <a:rPr lang="zh-TW" altLang="en-US" dirty="0"/>
+              <a:t> 只能有一個帳號密碼</a:t>
+            </a:r>
+            <a:endParaRPr lang="en-US" altLang="zh-TW" dirty="0"/>
+          </a:p>
+          <a:p>
+            <a:r>
+              <a:rPr lang="zh-TW" altLang="en-US" dirty="0"/>
+              <a:t>一個帳號密碼 可以再多個</a:t>
+            </a:r>
+            <a:r>
+              <a:rPr lang="en-US" altLang="zh-TW" dirty="0"/>
+              <a:t>server</a:t>
+            </a:r>
+            <a:r>
+              <a:rPr lang="zh-TW" altLang="en-US" dirty="0"/>
+              <a:t>上</a:t>
+            </a:r>
+            <a:endParaRPr lang="en-US" altLang="zh-TW" dirty="0"/>
+          </a:p>
+          <a:p>
+            <a:endParaRPr lang="zh-TW" altLang="zh-TW" dirty="0"/>
           </a:p>
         </p:txBody>
       </p:sp>
@@ -4704,7 +5064,31 @@
           <a:bodyPr/>
           <a:lstStyle/>
           <a:p>
-            <a:endParaRPr lang="zh-TW" altLang="zh-TW"/>
+            <a:r>
+              <a:rPr lang="zh-TW" altLang="en-US" dirty="0"/>
+              <a:t>只有一個 </a:t>
+            </a:r>
+            <a:r>
+              <a:rPr lang="en-US" altLang="zh-TW" dirty="0" err="1"/>
+              <a:t>attribut</a:t>
+            </a:r>
+            <a:r>
+              <a:rPr lang="zh-TW" altLang="en-US" dirty="0"/>
+              <a:t>的畫 不要用</a:t>
+            </a:r>
+            <a:r>
+              <a:rPr lang="en-US" altLang="zh-TW" dirty="0"/>
+              <a:t>entity</a:t>
+            </a:r>
+            <a:r>
+              <a:rPr lang="zh-TW" altLang="en-US" dirty="0"/>
+              <a:t> </a:t>
+            </a:r>
+            <a:r>
+              <a:rPr lang="en-US" altLang="zh-TW" dirty="0"/>
+              <a:t>set</a:t>
+            </a:r>
+            <a:endParaRPr lang="zh-TW" altLang="zh-TW" dirty="0"/>
           </a:p>
         </p:txBody>
       </p:sp>
@@ -5544,7 +5928,15 @@
           <a:bodyPr/>
           <a:lstStyle/>
           <a:p>
-            <a:endParaRPr lang="zh-TW" altLang="zh-TW"/>
+            <a:r>
+              <a:rPr lang="en-US" altLang="zh-TW" dirty="0"/>
+              <a:t>Weak entity set </a:t>
+            </a:r>
+            <a:r>
+              <a:rPr lang="zh-TW" altLang="en-US"/>
+              <a:t> 盡量少用 因為會很難維護</a:t>
+            </a:r>
+            <a:endParaRPr lang="en-US" altLang="zh-TW" dirty="0"/>
           </a:p>
         </p:txBody>
       </p:sp>
@@ -5964,7 +6356,7 @@
           <a:bodyPr/>
           <a:lstStyle/>
           <a:p>
-            <a:endParaRPr lang="zh-TW" altLang="zh-TW"/>
+            <a:endParaRPr lang="zh-TW" altLang="zh-TW" dirty="0"/>
           </a:p>
         </p:txBody>
       </p:sp>
@@ -6021,7 +6413,7 @@
           <a:p>
             <a:pPr lvl="0"/>
             <a:r>
-              <a:rPr lang="en-US" altLang="zh-TW" noProof="0" smtClean="0"/>
+              <a:rPr lang="en-US" altLang="zh-TW" noProof="0"/>
               <a:t>Click to edit Master subtitle style</a:t>
             </a:r>
           </a:p>
@@ -6141,7 +6533,7 @@
           <a:p>
             <a:pPr lvl="0"/>
             <a:r>
-              <a:rPr lang="en-US" altLang="zh-TW" noProof="0" smtClean="0"/>
+              <a:rPr lang="en-US" altLang="zh-TW" noProof="0"/>
               <a:t>Click to edit Master title style</a:t>
             </a:r>
           </a:p>
@@ -6188,10 +6580,9 @@
           <a:lstStyle/>
           <a:p>
             <a:r>
-              <a:rPr lang="zh-TW" altLang="en-US" smtClean="0"/>
+              <a:rPr lang="zh-TW" altLang="en-US"/>
               <a:t>按一下以編輯母片標題樣式</a:t>
             </a:r>
-            <a:endParaRPr lang="zh-TW" altLang="en-US"/>
           </a:p>
         </p:txBody>
       </p:sp>
@@ -6212,38 +6603,37 @@
           <a:p>
             <a:pPr lvl="0"/>
             <a:r>
-              <a:rPr lang="zh-TW" altLang="en-US" smtClean="0"/>
+              <a:rPr lang="zh-TW" altLang="en-US"/>
               <a:t>按一下以編輯母片文字樣式</a:t>
             </a:r>
           </a:p>
           <a:p>
             <a:pPr lvl="1"/>
             <a:r>
-              <a:rPr lang="zh-TW" altLang="en-US" smtClean="0"/>
+              <a:rPr lang="zh-TW" altLang="en-US"/>
               <a:t>第二層</a:t>
             </a:r>
           </a:p>
           <a:p>
             <a:pPr lvl="2"/>
             <a:r>
-              <a:rPr lang="zh-TW" altLang="en-US" smtClean="0"/>
+              <a:rPr lang="zh-TW" altLang="en-US"/>
               <a:t>第三層</a:t>
             </a:r>
           </a:p>
           <a:p>
             <a:pPr lvl="3"/>
             <a:r>
-              <a:rPr lang="zh-TW" altLang="en-US" smtClean="0"/>
+              <a:rPr lang="zh-TW" altLang="en-US"/>
               <a:t>第四層</a:t>
             </a:r>
           </a:p>
           <a:p>
             <a:pPr lvl="4"/>
             <a:r>
-              <a:rPr lang="zh-TW" altLang="en-US" smtClean="0"/>
+              <a:rPr lang="zh-TW" altLang="en-US"/>
               <a:t>第五層</a:t>
             </a:r>
-            <a:endParaRPr lang="zh-TW" altLang="en-US"/>
           </a:p>
         </p:txBody>
       </p:sp>
@@ -6372,10 +6762,9 @@
           <a:lstStyle/>
           <a:p>
             <a:r>
-              <a:rPr lang="zh-TW" altLang="en-US" smtClean="0"/>
+              <a:rPr lang="zh-TW" altLang="en-US"/>
               <a:t>按一下以編輯母片標題樣式</a:t>
             </a:r>
-            <a:endParaRPr lang="zh-TW" altLang="en-US"/>
           </a:p>
         </p:txBody>
       </p:sp>
@@ -6401,38 +6790,37 @@
           <a:p>
             <a:pPr lvl="0"/>
             <a:r>
-              <a:rPr lang="zh-TW" altLang="en-US" smtClean="0"/>
+              <a:rPr lang="zh-TW" altLang="en-US"/>
               <a:t>按一下以編輯母片文字樣式</a:t>
             </a:r>
           </a:p>
           <a:p>
             <a:pPr lvl="1"/>
             <a:r>
-              <a:rPr lang="zh-TW" altLang="en-US" smtClean="0"/>
+              <a:rPr lang="zh-TW" altLang="en-US"/>
               <a:t>第二層</a:t>
             </a:r>
           </a:p>
           <a:p>
             <a:pPr lvl="2"/>
             <a:r>
-              <a:rPr lang="zh-TW" altLang="en-US" smtClean="0"/>
+              <a:rPr lang="zh-TW" altLang="en-US"/>
               <a:t>第三層</a:t>
             </a:r>
           </a:p>
           <a:p>
             <a:pPr lvl="3"/>
             <a:r>
-              <a:rPr lang="zh-TW" altLang="en-US" smtClean="0"/>
+              <a:rPr lang="zh-TW" altLang="en-US"/>
               <a:t>第四層</a:t>
             </a:r>
           </a:p>
           <a:p>
             <a:pPr lvl="4"/>
             <a:r>
-              <a:rPr lang="zh-TW" altLang="en-US" smtClean="0"/>
+              <a:rPr lang="zh-TW" altLang="en-US"/>
               <a:t>第五層</a:t>
             </a:r>
-            <a:endParaRPr lang="zh-TW" altLang="en-US"/>
           </a:p>
         </p:txBody>
       </p:sp>
@@ -6561,10 +6949,9 @@
           <a:lstStyle/>
           <a:p>
             <a:r>
-              <a:rPr lang="zh-TW" altLang="en-US" smtClean="0"/>
+              <a:rPr lang="zh-TW" altLang="en-US"/>
               <a:t>按一下以編輯母片標題樣式</a:t>
             </a:r>
-            <a:endParaRPr lang="zh-TW" altLang="en-US"/>
           </a:p>
         </p:txBody>
       </p:sp>
@@ -6590,38 +6977,37 @@
           <a:p>
             <a:pPr lvl="0"/>
             <a:r>
-              <a:rPr lang="zh-TW" altLang="en-US" smtClean="0"/>
+              <a:rPr lang="zh-TW" altLang="en-US"/>
               <a:t>按一下以編輯母片文字樣式</a:t>
             </a:r>
           </a:p>
           <a:p>
             <a:pPr lvl="1"/>
             <a:r>
-              <a:rPr lang="zh-TW" altLang="en-US" smtClean="0"/>
+              <a:rPr lang="zh-TW" altLang="en-US"/>
               <a:t>第二層</a:t>
             </a:r>
           </a:p>
           <a:p>
             <a:pPr lvl="2"/>
             <a:r>
-              <a:rPr lang="zh-TW" altLang="en-US" smtClean="0"/>
+              <a:rPr lang="zh-TW" altLang="en-US"/>
               <a:t>第三層</a:t>
             </a:r>
           </a:p>
           <a:p>
             <a:pPr lvl="3"/>
             <a:r>
-              <a:rPr lang="zh-TW" altLang="en-US" smtClean="0"/>
+              <a:rPr lang="zh-TW" altLang="en-US"/>
               <a:t>第四層</a:t>
             </a:r>
           </a:p>
           <a:p>
             <a:pPr lvl="4"/>
             <a:r>
-              <a:rPr lang="zh-TW" altLang="en-US" smtClean="0"/>
+              <a:rPr lang="zh-TW" altLang="en-US"/>
               <a:t>第五層</a:t>
             </a:r>
-            <a:endParaRPr lang="zh-TW" altLang="en-US"/>
           </a:p>
         </p:txBody>
       </p:sp>
@@ -6647,38 +7033,37 @@
           <a:p>
             <a:pPr lvl="0"/>
             <a:r>
-              <a:rPr lang="zh-TW" altLang="en-US" smtClean="0"/>
+              <a:rPr lang="zh-TW" altLang="en-US"/>
               <a:t>按一下以編輯母片文字樣式</a:t>
             </a:r>
           </a:p>
           <a:p>
             <a:pPr lvl="1"/>
             <a:r>
-              <a:rPr lang="zh-TW" altLang="en-US" smtClean="0"/>
+              <a:rPr lang="zh-TW" altLang="en-US"/>
               <a:t>第二層</a:t>
             </a:r>
           </a:p>
           <a:p>
             <a:pPr lvl="2"/>
             <a:r>
-              <a:rPr lang="zh-TW" altLang="en-US" smtClean="0"/>
+              <a:rPr lang="zh-TW" altLang="en-US"/>
               <a:t>第三層</a:t>
             </a:r>
           </a:p>
           <a:p>
             <a:pPr lvl="3"/>
             <a:r>
-              <a:rPr lang="zh-TW" altLang="en-US" smtClean="0"/>
+              <a:rPr lang="zh-TW" altLang="en-US"/>
               <a:t>第四層</a:t>
             </a:r>
           </a:p>
           <a:p>
             <a:pPr lvl="4"/>
             <a:r>
-              <a:rPr lang="zh-TW" altLang="en-US" smtClean="0"/>
+              <a:rPr lang="zh-TW" altLang="en-US"/>
               <a:t>第五層</a:t>
             </a:r>
-            <a:endParaRPr lang="zh-TW" altLang="en-US"/>
           </a:p>
         </p:txBody>
       </p:sp>
@@ -6822,10 +7207,9 @@
           <a:lstStyle/>
           <a:p>
             <a:r>
-              <a:rPr lang="zh-TW" altLang="en-US" smtClean="0"/>
+              <a:rPr lang="zh-TW" altLang="en-US"/>
               <a:t>按一下以編輯母片標題樣式</a:t>
             </a:r>
-            <a:endParaRPr lang="zh-TW" altLang="en-US"/>
           </a:p>
         </p:txBody>
       </p:sp>
@@ -6851,38 +7235,37 @@
           <a:p>
             <a:pPr lvl="0"/>
             <a:r>
-              <a:rPr lang="zh-TW" altLang="en-US" smtClean="0"/>
+              <a:rPr lang="zh-TW" altLang="en-US"/>
               <a:t>按一下以編輯母片文字樣式</a:t>
             </a:r>
           </a:p>
           <a:p>
             <a:pPr lvl="1"/>
             <a:r>
-              <a:rPr lang="zh-TW" altLang="en-US" smtClean="0"/>
+              <a:rPr lang="zh-TW" altLang="en-US"/>
               <a:t>第二層</a:t>
             </a:r>
           </a:p>
           <a:p>
             <a:pPr lvl="2"/>
             <a:r>
-              <a:rPr lang="zh-TW" altLang="en-US" smtClean="0"/>
+              <a:rPr lang="zh-TW" altLang="en-US"/>
               <a:t>第三層</a:t>
             </a:r>
           </a:p>
           <a:p>
             <a:pPr lvl="3"/>
             <a:r>
-              <a:rPr lang="zh-TW" altLang="en-US" smtClean="0"/>
+              <a:rPr lang="zh-TW" altLang="en-US"/>
               <a:t>第四層</a:t>
             </a:r>
           </a:p>
           <a:p>
             <a:pPr lvl="4"/>
             <a:r>
-              <a:rPr lang="zh-TW" altLang="en-US" smtClean="0"/>
+              <a:rPr lang="zh-TW" altLang="en-US"/>
               <a:t>第五層</a:t>
             </a:r>
-            <a:endParaRPr lang="zh-TW" altLang="en-US"/>
           </a:p>
         </p:txBody>
       </p:sp>
@@ -6908,38 +7291,37 @@
           <a:p>
             <a:pPr lvl="0"/>
             <a:r>
-              <a:rPr lang="zh-TW" altLang="en-US" smtClean="0"/>
+              <a:rPr lang="zh-TW" altLang="en-US"/>
               <a:t>按一下以編輯母片文字樣式</a:t>
             </a:r>
           </a:p>
           <a:p>
             <a:pPr lvl="1"/>
             <a:r>
-              <a:rPr lang="zh-TW" altLang="en-US" smtClean="0"/>
+              <a:rPr lang="zh-TW" altLang="en-US"/>
               <a:t>第二層</a:t>
             </a:r>
           </a:p>
           <a:p>
             <a:pPr lvl="2"/>
             <a:r>
-              <a:rPr lang="zh-TW" altLang="en-US" smtClean="0"/>
+              <a:rPr lang="zh-TW" altLang="en-US"/>
               <a:t>第三層</a:t>
             </a:r>
           </a:p>
           <a:p>
             <a:pPr lvl="3"/>
             <a:r>
-              <a:rPr lang="zh-TW" altLang="en-US" smtClean="0"/>
+              <a:rPr lang="zh-TW" altLang="en-US"/>
               <a:t>第四層</a:t>
             </a:r>
           </a:p>
           <a:p>
             <a:pPr lvl="4"/>
             <a:r>
-              <a:rPr lang="zh-TW" altLang="en-US" smtClean="0"/>
+              <a:rPr lang="zh-TW" altLang="en-US"/>
               <a:t>第五層</a:t>
             </a:r>
-            <a:endParaRPr lang="zh-TW" altLang="en-US"/>
           </a:p>
         </p:txBody>
       </p:sp>
@@ -6965,38 +7347,37 @@
           <a:p>
             <a:pPr lvl="0"/>
             <a:r>
-              <a:rPr lang="zh-TW" altLang="en-US" smtClean="0"/>
+              <a:rPr lang="zh-TW" altLang="en-US"/>
               <a:t>按一下以編輯母片文字樣式</a:t>
             </a:r>
           </a:p>
           <a:p>
             <a:pPr lvl="1"/>
             <a:r>
-              <a:rPr lang="zh-TW" altLang="en-US" smtClean="0"/>
+              <a:rPr lang="zh-TW" altLang="en-US"/>
               <a:t>第二層</a:t>
             </a:r>
           </a:p>
           <a:p>
             <a:pPr lvl="2"/>
             <a:r>
-              <a:rPr lang="zh-TW" altLang="en-US" smtClean="0"/>
+              <a:rPr lang="zh-TW" altLang="en-US"/>
               <a:t>第三層</a:t>
             </a:r>
           </a:p>
           <a:p>
             <a:pPr lvl="3"/>
             <a:r>
-              <a:rPr lang="zh-TW" altLang="en-US" smtClean="0"/>
+              <a:rPr lang="zh-TW" altLang="en-US"/>
               <a:t>第四層</a:t>
             </a:r>
           </a:p>
           <a:p>
             <a:pPr lvl="4"/>
             <a:r>
-              <a:rPr lang="zh-TW" altLang="en-US" smtClean="0"/>
+              <a:rPr lang="zh-TW" altLang="en-US"/>
               <a:t>第五層</a:t>
             </a:r>
-            <a:endParaRPr lang="zh-TW" altLang="en-US"/>
           </a:p>
         </p:txBody>
       </p:sp>
@@ -7135,10 +7516,9 @@
           <a:lstStyle/>
           <a:p>
             <a:r>
-              <a:rPr lang="zh-TW" altLang="en-US" smtClean="0"/>
+              <a:rPr lang="zh-TW" altLang="en-US"/>
               <a:t>按一下以編輯母片標題樣式</a:t>
             </a:r>
-            <a:endParaRPr lang="zh-TW" altLang="en-US"/>
           </a:p>
         </p:txBody>
       </p:sp>
@@ -7159,38 +7539,37 @@
           <a:p>
             <a:pPr lvl="0"/>
             <a:r>
-              <a:rPr lang="zh-TW" altLang="en-US" smtClean="0"/>
+              <a:rPr lang="zh-TW" altLang="en-US"/>
               <a:t>按一下以編輯母片文字樣式</a:t>
             </a:r>
           </a:p>
           <a:p>
             <a:pPr lvl="1"/>
             <a:r>
-              <a:rPr lang="zh-TW" altLang="en-US" smtClean="0"/>
+              <a:rPr lang="zh-TW" altLang="en-US"/>
               <a:t>第二層</a:t>
             </a:r>
           </a:p>
           <a:p>
             <a:pPr lvl="2"/>
             <a:r>
-              <a:rPr lang="zh-TW" altLang="en-US" smtClean="0"/>
+              <a:rPr lang="zh-TW" altLang="en-US"/>
               <a:t>第三層</a:t>
             </a:r>
           </a:p>
           <a:p>
             <a:pPr lvl="3"/>
             <a:r>
-              <a:rPr lang="zh-TW" altLang="en-US" smtClean="0"/>
+              <a:rPr lang="zh-TW" altLang="en-US"/>
               <a:t>第四層</a:t>
             </a:r>
           </a:p>
           <a:p>
             <a:pPr lvl="4"/>
             <a:r>
-              <a:rPr lang="zh-TW" altLang="en-US" smtClean="0"/>
+              <a:rPr lang="zh-TW" altLang="en-US"/>
               <a:t>第五層</a:t>
             </a:r>
-            <a:endParaRPr lang="zh-TW" altLang="en-US"/>
           </a:p>
         </p:txBody>
       </p:sp>
@@ -7323,10 +7702,9 @@
           </a:lstStyle>
           <a:p>
             <a:r>
-              <a:rPr lang="zh-TW" altLang="en-US" smtClean="0"/>
+              <a:rPr lang="zh-TW" altLang="en-US"/>
               <a:t>按一下以編輯母片標題樣式</a:t>
             </a:r>
-            <a:endParaRPr lang="zh-TW" altLang="en-US"/>
           </a:p>
         </p:txBody>
       </p:sp>
@@ -7389,7 +7767,7 @@
           <a:p>
             <a:pPr lvl="0"/>
             <a:r>
-              <a:rPr lang="zh-TW" altLang="en-US" smtClean="0"/>
+              <a:rPr lang="zh-TW" altLang="en-US"/>
               <a:t>按一下以編輯母片文字樣式</a:t>
             </a:r>
           </a:p>
@@ -7515,10 +7893,9 @@
           <a:lstStyle/>
           <a:p>
             <a:r>
-              <a:rPr lang="zh-TW" altLang="en-US" smtClean="0"/>
+              <a:rPr lang="zh-TW" altLang="en-US"/>
               <a:t>按一下以編輯母片標題樣式</a:t>
             </a:r>
-            <a:endParaRPr lang="zh-TW" altLang="en-US"/>
           </a:p>
         </p:txBody>
       </p:sp>
@@ -7572,38 +7949,37 @@
           <a:p>
             <a:pPr lvl="0"/>
             <a:r>
-              <a:rPr lang="zh-TW" altLang="en-US" smtClean="0"/>
+              <a:rPr lang="zh-TW" altLang="en-US"/>
               <a:t>按一下以編輯母片文字樣式</a:t>
             </a:r>
           </a:p>
           <a:p>
             <a:pPr lvl="1"/>
             <a:r>
-              <a:rPr lang="zh-TW" altLang="en-US" smtClean="0"/>
+              <a:rPr lang="zh-TW" altLang="en-US"/>
               <a:t>第二層</a:t>
             </a:r>
           </a:p>
           <a:p>
             <a:pPr lvl="2"/>
             <a:r>
-              <a:rPr lang="zh-TW" altLang="en-US" smtClean="0"/>
+              <a:rPr lang="zh-TW" altLang="en-US"/>
               <a:t>第三層</a:t>
             </a:r>
           </a:p>
           <a:p>
             <a:pPr lvl="3"/>
             <a:r>
-              <a:rPr lang="zh-TW" altLang="en-US" smtClean="0"/>
+              <a:rPr lang="zh-TW" altLang="en-US"/>
               <a:t>第四層</a:t>
             </a:r>
           </a:p>
           <a:p>
             <a:pPr lvl="4"/>
             <a:r>
-              <a:rPr lang="zh-TW" altLang="en-US" smtClean="0"/>
+              <a:rPr lang="zh-TW" altLang="en-US"/>
               <a:t>第五層</a:t>
             </a:r>
-            <a:endParaRPr lang="zh-TW" altLang="en-US"/>
           </a:p>
         </p:txBody>
       </p:sp>
@@ -7657,38 +8033,37 @@
           <a:p>
             <a:pPr lvl="0"/>
             <a:r>
-              <a:rPr lang="zh-TW" altLang="en-US" smtClean="0"/>
+              <a:rPr lang="zh-TW" altLang="en-US"/>
               <a:t>按一下以編輯母片文字樣式</a:t>
             </a:r>
           </a:p>
           <a:p>
             <a:pPr lvl="1"/>
             <a:r>
-              <a:rPr lang="zh-TW" altLang="en-US" smtClean="0"/>
+              <a:rPr lang="zh-TW" altLang="en-US"/>
               <a:t>第二層</a:t>
             </a:r>
           </a:p>
           <a:p>
             <a:pPr lvl="2"/>
             <a:r>
-              <a:rPr lang="zh-TW" altLang="en-US" smtClean="0"/>
+              <a:rPr lang="zh-TW" altLang="en-US"/>
               <a:t>第三層</a:t>
             </a:r>
           </a:p>
           <a:p>
             <a:pPr lvl="3"/>
             <a:r>
-              <a:rPr lang="zh-TW" altLang="en-US" smtClean="0"/>
+              <a:rPr lang="zh-TW" altLang="en-US"/>
               <a:t>第四層</a:t>
             </a:r>
           </a:p>
           <a:p>
             <a:pPr lvl="4"/>
             <a:r>
-              <a:rPr lang="zh-TW" altLang="en-US" smtClean="0"/>
+              <a:rPr lang="zh-TW" altLang="en-US"/>
               <a:t>第五層</a:t>
             </a:r>
-            <a:endParaRPr lang="zh-TW" altLang="en-US"/>
           </a:p>
         </p:txBody>
       </p:sp>
@@ -7821,10 +8196,9 @@
           </a:lstStyle>
           <a:p>
             <a:r>
-              <a:rPr lang="zh-TW" altLang="en-US" smtClean="0"/>
+              <a:rPr lang="zh-TW" altLang="en-US"/>
               <a:t>按一下以編輯母片標題樣式</a:t>
             </a:r>
-            <a:endParaRPr lang="zh-TW" altLang="en-US"/>
           </a:p>
         </p:txBody>
       </p:sp>
@@ -7887,7 +8261,7 @@
           <a:p>
             <a:pPr lvl="0"/>
             <a:r>
-              <a:rPr lang="zh-TW" altLang="en-US" smtClean="0"/>
+              <a:rPr lang="zh-TW" altLang="en-US"/>
               <a:t>按一下以編輯母片文字樣式</a:t>
             </a:r>
           </a:p>
@@ -7943,38 +8317,37 @@
           <a:p>
             <a:pPr lvl="0"/>
             <a:r>
-              <a:rPr lang="zh-TW" altLang="en-US" smtClean="0"/>
+              <a:rPr lang="zh-TW" altLang="en-US"/>
               <a:t>按一下以編輯母片文字樣式</a:t>
             </a:r>
           </a:p>
           <a:p>
             <a:pPr lvl="1"/>
             <a:r>
-              <a:rPr lang="zh-TW" altLang="en-US" smtClean="0"/>
+              <a:rPr lang="zh-TW" altLang="en-US"/>
               <a:t>第二層</a:t>
             </a:r>
           </a:p>
           <a:p>
             <a:pPr lvl="2"/>
             <a:r>
-              <a:rPr lang="zh-TW" altLang="en-US" smtClean="0"/>
+              <a:rPr lang="zh-TW" altLang="en-US"/>
               <a:t>第三層</a:t>
             </a:r>
           </a:p>
           <a:p>
             <a:pPr lvl="3"/>
             <a:r>
-              <a:rPr lang="zh-TW" altLang="en-US" smtClean="0"/>
+              <a:rPr lang="zh-TW" altLang="en-US"/>
               <a:t>第四層</a:t>
             </a:r>
           </a:p>
           <a:p>
             <a:pPr lvl="4"/>
             <a:r>
-              <a:rPr lang="zh-TW" altLang="en-US" smtClean="0"/>
+              <a:rPr lang="zh-TW" altLang="en-US"/>
               <a:t>第五層</a:t>
             </a:r>
-            <a:endParaRPr lang="zh-TW" altLang="en-US"/>
           </a:p>
         </p:txBody>
       </p:sp>
@@ -8037,7 +8410,7 @@
           <a:p>
             <a:pPr lvl="0"/>
             <a:r>
-              <a:rPr lang="zh-TW" altLang="en-US" smtClean="0"/>
+              <a:rPr lang="zh-TW" altLang="en-US"/>
               <a:t>按一下以編輯母片文字樣式</a:t>
             </a:r>
           </a:p>
@@ -8093,38 +8466,37 @@
           <a:p>
             <a:pPr lvl="0"/>
             <a:r>
-              <a:rPr lang="zh-TW" altLang="en-US" smtClean="0"/>
+              <a:rPr lang="zh-TW" altLang="en-US"/>
               <a:t>按一下以編輯母片文字樣式</a:t>
             </a:r>
           </a:p>
           <a:p>
             <a:pPr lvl="1"/>
             <a:r>
-              <a:rPr lang="zh-TW" altLang="en-US" smtClean="0"/>
+              <a:rPr lang="zh-TW" altLang="en-US"/>
               <a:t>第二層</a:t>
             </a:r>
           </a:p>
           <a:p>
             <a:pPr lvl="2"/>
             <a:r>
-              <a:rPr lang="zh-TW" altLang="en-US" smtClean="0"/>
+              <a:rPr lang="zh-TW" altLang="en-US"/>
               <a:t>第三層</a:t>
             </a:r>
           </a:p>
           <a:p>
             <a:pPr lvl="3"/>
             <a:r>
-              <a:rPr lang="zh-TW" altLang="en-US" smtClean="0"/>
+              <a:rPr lang="zh-TW" altLang="en-US"/>
               <a:t>第四層</a:t>
             </a:r>
           </a:p>
           <a:p>
             <a:pPr lvl="4"/>
             <a:r>
-              <a:rPr lang="zh-TW" altLang="en-US" smtClean="0"/>
+              <a:rPr lang="zh-TW" altLang="en-US"/>
               <a:t>第五層</a:t>
             </a:r>
-            <a:endParaRPr lang="zh-TW" altLang="en-US"/>
           </a:p>
         </p:txBody>
       </p:sp>
@@ -8248,10 +8620,9 @@
           <a:lstStyle/>
           <a:p>
             <a:r>
-              <a:rPr lang="zh-TW" altLang="en-US" smtClean="0"/>
+              <a:rPr lang="zh-TW" altLang="en-US"/>
               <a:t>按一下以編輯母片標題樣式</a:t>
             </a:r>
-            <a:endParaRPr lang="zh-TW" altLang="en-US"/>
           </a:p>
         </p:txBody>
       </p:sp>
@@ -8488,10 +8859,9 @@
           </a:lstStyle>
           <a:p>
             <a:r>
-              <a:rPr lang="zh-TW" altLang="en-US" smtClean="0"/>
+              <a:rPr lang="zh-TW" altLang="en-US"/>
               <a:t>按一下以編輯母片標題樣式</a:t>
             </a:r>
-            <a:endParaRPr lang="zh-TW" altLang="en-US"/>
           </a:p>
         </p:txBody>
       </p:sp>
@@ -8545,38 +8915,37 @@
           <a:p>
             <a:pPr lvl="0"/>
             <a:r>
-              <a:rPr lang="zh-TW" altLang="en-US" smtClean="0"/>
+              <a:rPr lang="zh-TW" altLang="en-US"/>
               <a:t>按一下以編輯母片文字樣式</a:t>
             </a:r>
           </a:p>
           <a:p>
             <a:pPr lvl="1"/>
             <a:r>
-              <a:rPr lang="zh-TW" altLang="en-US" smtClean="0"/>
+              <a:rPr lang="zh-TW" altLang="en-US"/>
               <a:t>第二層</a:t>
             </a:r>
           </a:p>
           <a:p>
             <a:pPr lvl="2"/>
             <a:r>
-              <a:rPr lang="zh-TW" altLang="en-US" smtClean="0"/>
+              <a:rPr lang="zh-TW" altLang="en-US"/>
               <a:t>第三層</a:t>
             </a:r>
           </a:p>
           <a:p>
             <a:pPr lvl="3"/>
             <a:r>
-              <a:rPr lang="zh-TW" altLang="en-US" smtClean="0"/>
+              <a:rPr lang="zh-TW" altLang="en-US"/>
               <a:t>第四層</a:t>
             </a:r>
           </a:p>
           <a:p>
             <a:pPr lvl="4"/>
             <a:r>
-              <a:rPr lang="zh-TW" altLang="en-US" smtClean="0"/>
+              <a:rPr lang="zh-TW" altLang="en-US"/>
               <a:t>第五層</a:t>
             </a:r>
-            <a:endParaRPr lang="zh-TW" altLang="en-US"/>
           </a:p>
         </p:txBody>
       </p:sp>
@@ -8639,7 +9008,7 @@
           <a:p>
             <a:pPr lvl="0"/>
             <a:r>
-              <a:rPr lang="zh-TW" altLang="en-US" smtClean="0"/>
+              <a:rPr lang="zh-TW" altLang="en-US"/>
               <a:t>按一下以編輯母片文字樣式</a:t>
             </a:r>
           </a:p>
@@ -8774,10 +9143,9 @@
           </a:lstStyle>
           <a:p>
             <a:r>
-              <a:rPr lang="zh-TW" altLang="en-US" smtClean="0"/>
+              <a:rPr lang="zh-TW" altLang="en-US"/>
               <a:t>按一下以編輯母片標題樣式</a:t>
             </a:r>
-            <a:endParaRPr lang="zh-TW" altLang="en-US"/>
           </a:p>
         </p:txBody>
       </p:sp>
@@ -8901,7 +9269,7 @@
           <a:p>
             <a:pPr lvl="0"/>
             <a:r>
-              <a:rPr lang="zh-TW" altLang="en-US" smtClean="0"/>
+              <a:rPr lang="zh-TW" altLang="en-US"/>
               <a:t>按一下以編輯母片文字樣式</a:t>
             </a:r>
           </a:p>
@@ -9085,7 +9453,7 @@
           <a:p>
             <a:pPr lvl="0"/>
             <a:r>
-              <a:rPr lang="en-US" altLang="zh-TW" smtClean="0"/>
+              <a:rPr lang="en-US" altLang="zh-TW"/>
               <a:t>Click to edit Master title style</a:t>
             </a:r>
           </a:p>
@@ -9153,35 +9521,35 @@
           <a:p>
             <a:pPr lvl="0"/>
             <a:r>
-              <a:rPr lang="en-US" altLang="zh-TW" smtClean="0"/>
+              <a:rPr lang="en-US" altLang="zh-TW"/>
               <a:t> Click to edit Master text styles</a:t>
             </a:r>
           </a:p>
           <a:p>
             <a:pPr lvl="1"/>
             <a:r>
-              <a:rPr lang="en-US" altLang="zh-TW" smtClean="0"/>
+              <a:rPr lang="en-US" altLang="zh-TW"/>
               <a:t> Second level</a:t>
             </a:r>
           </a:p>
           <a:p>
             <a:pPr lvl="2"/>
             <a:r>
-              <a:rPr lang="en-US" altLang="zh-TW" smtClean="0"/>
+              <a:rPr lang="en-US" altLang="zh-TW"/>
               <a:t> Third level</a:t>
             </a:r>
           </a:p>
           <a:p>
             <a:pPr lvl="3"/>
             <a:r>
-              <a:rPr lang="en-US" altLang="zh-TW" smtClean="0"/>
+              <a:rPr lang="en-US" altLang="zh-TW"/>
               <a:t> Fourth level</a:t>
             </a:r>
           </a:p>
           <a:p>
             <a:pPr lvl="4"/>
             <a:r>
-              <a:rPr lang="en-US" altLang="zh-TW" smtClean="0"/>
+              <a:rPr lang="en-US" altLang="zh-TW"/>
               <a:t> Fifth level</a:t>
             </a:r>
           </a:p>
@@ -9992,13 +10360,6 @@
   <p:clrMapOvr>
     <a:masterClrMapping/>
   </p:clrMapOvr>
-  <p:timing>
-    <p:tnLst>
-      <p:par>
-        <p:cTn id="1" dur="indefinite" restart="never" nodeType="tmRoot"/>
-      </p:par>
-    </p:tnLst>
-  </p:timing>
 </p:sld>
 </file>
 
@@ -10110,13 +10471,6 @@
   <p:clrMapOvr>
     <a:masterClrMapping/>
   </p:clrMapOvr>
-  <p:timing>
-    <p:tnLst>
-      <p:par>
-        <p:cTn id="1" dur="indefinite" restart="never" nodeType="tmRoot"/>
-      </p:par>
-    </p:tnLst>
-  </p:timing>
 </p:sld>
 </file>
 
@@ -11947,13 +12301,6 @@
   <p:clrMapOvr>
     <a:masterClrMapping/>
   </p:clrMapOvr>
-  <p:timing>
-    <p:tnLst>
-      <p:par>
-        <p:cTn id="1" dur="indefinite" restart="never" nodeType="tmRoot"/>
-      </p:par>
-    </p:tnLst>
-  </p:timing>
 </p:sld>
 </file>
 
@@ -12084,13 +12431,6 @@
   <p:clrMapOvr>
     <a:masterClrMapping/>
   </p:clrMapOvr>
-  <p:timing>
-    <p:tnLst>
-      <p:par>
-        <p:cTn id="1" dur="indefinite" restart="never" nodeType="tmRoot"/>
-      </p:par>
-    </p:tnLst>
-  </p:timing>
 </p:sld>
 </file>
 
@@ -13879,7 +14219,7 @@
           <a:graphicData uri="http://schemas.openxmlformats.org/presentationml/2006/ole">
             <mc:AlternateContent xmlns:mc="http://schemas.openxmlformats.org/markup-compatibility/2006">
               <mc:Choice xmlns:v="urn:schemas-microsoft-com:vml" Requires="v">
-                <p:oleObj spid="_x0000_s21517" name="方程式" r:id="rId4" imgW="431640" imgH="228600" progId="Equation.3">
+                <p:oleObj spid="_x0000_s21524" name="方程式" r:id="rId4" imgW="431640" imgH="228600" progId="Equation.3">
                   <p:embed/>
                 </p:oleObj>
               </mc:Choice>
@@ -13956,13 +14296,6 @@
   <p:clrMapOvr>
     <a:masterClrMapping/>
   </p:clrMapOvr>
-  <p:timing>
-    <p:tnLst>
-      <p:par>
-        <p:cTn id="1" dur="indefinite" restart="never" nodeType="tmRoot"/>
-      </p:par>
-    </p:tnLst>
-  </p:timing>
 </p:sld>
 </file>
 
@@ -14950,13 +15283,6 @@
   <p:clrMapOvr>
     <a:masterClrMapping/>
   </p:clrMapOvr>
-  <p:timing>
-    <p:tnLst>
-      <p:par>
-        <p:cTn id="1" dur="indefinite" restart="never" nodeType="tmRoot"/>
-      </p:par>
-    </p:tnLst>
-  </p:timing>
 </p:sld>
 </file>
 
@@ -15090,13 +15416,6 @@
   <p:clrMapOvr>
     <a:masterClrMapping/>
   </p:clrMapOvr>
-  <p:timing>
-    <p:tnLst>
-      <p:par>
-        <p:cTn id="1" dur="indefinite" restart="never" nodeType="tmRoot"/>
-      </p:par>
-    </p:tnLst>
-  </p:timing>
 </p:sld>
 </file>
 
@@ -16524,13 +16843,6 @@
   <p:clrMapOvr>
     <a:masterClrMapping/>
   </p:clrMapOvr>
-  <p:timing>
-    <p:tnLst>
-      <p:par>
-        <p:cTn id="1" dur="indefinite" restart="never" nodeType="tmRoot"/>
-      </p:par>
-    </p:tnLst>
-  </p:timing>
 </p:sld>
 </file>
 
@@ -17701,13 +18013,6 @@
   <p:clrMapOvr>
     <a:masterClrMapping/>
   </p:clrMapOvr>
-  <p:timing>
-    <p:tnLst>
-      <p:par>
-        <p:cTn id="1" dur="indefinite" restart="never" nodeType="tmRoot"/>
-      </p:par>
-    </p:tnLst>
-  </p:timing>
 </p:sld>
 </file>
 
@@ -17859,13 +18164,6 @@
   <p:clrMapOvr>
     <a:masterClrMapping/>
   </p:clrMapOvr>
-  <p:timing>
-    <p:tnLst>
-      <p:par>
-        <p:cTn id="1" dur="indefinite" restart="never" nodeType="tmRoot"/>
-      </p:par>
-    </p:tnLst>
-  </p:timing>
 </p:sld>
 </file>
 
@@ -18336,13 +18634,6 @@
   <p:clrMapOvr>
     <a:masterClrMapping/>
   </p:clrMapOvr>
-  <p:timing>
-    <p:tnLst>
-      <p:par>
-        <p:cTn id="1" dur="indefinite" restart="never" nodeType="tmRoot"/>
-      </p:par>
-    </p:tnLst>
-  </p:timing>
 </p:sld>
 </file>
 
@@ -18556,7 +18847,7 @@
           <a:graphicData uri="http://schemas.openxmlformats.org/presentationml/2006/ole">
             <mc:AlternateContent xmlns:mc="http://schemas.openxmlformats.org/markup-compatibility/2006">
               <mc:Choice xmlns:v="urn:schemas-microsoft-com:vml" Requires="v">
-                <p:oleObj spid="_x0000_s28730" name="方程式" r:id="rId4" imgW="368280" imgH="177480" progId="Equation.3">
+                <p:oleObj spid="_x0000_s28744" name="方程式" r:id="rId4" imgW="368280" imgH="177480" progId="Equation.3">
                   <p:embed/>
                 </p:oleObj>
               </mc:Choice>
@@ -20032,7 +20323,7 @@
           <a:graphicData uri="http://schemas.openxmlformats.org/presentationml/2006/ole">
             <mc:AlternateContent xmlns:mc="http://schemas.openxmlformats.org/markup-compatibility/2006">
               <mc:Choice xmlns:v="urn:schemas-microsoft-com:vml" Requires="v">
-                <p:oleObj spid="_x0000_s28731" name="方程式" r:id="rId6" imgW="368280" imgH="177480" progId="Equation.3">
+                <p:oleObj spid="_x0000_s28745" name="方程式" r:id="rId6" imgW="368280" imgH="177480" progId="Equation.3">
                   <p:embed/>
                 </p:oleObj>
               </mc:Choice>
@@ -21232,7 +21523,7 @@
           <a:graphicData uri="http://schemas.openxmlformats.org/presentationml/2006/ole">
             <mc:AlternateContent xmlns:mc="http://schemas.openxmlformats.org/markup-compatibility/2006">
               <mc:Choice xmlns:v="urn:schemas-microsoft-com:vml" Requires="v">
-                <p:oleObj spid="_x0000_s29740" name="方程式" r:id="rId4" imgW="342720" imgH="177480" progId="Equation.3">
+                <p:oleObj spid="_x0000_s29754" name="方程式" r:id="rId4" imgW="342720" imgH="177480" progId="Equation.3">
                   <p:embed/>
                 </p:oleObj>
               </mc:Choice>
@@ -22224,7 +22515,7 @@
           <a:graphicData uri="http://schemas.openxmlformats.org/presentationml/2006/ole">
             <mc:AlternateContent xmlns:mc="http://schemas.openxmlformats.org/markup-compatibility/2006">
               <mc:Choice xmlns:v="urn:schemas-microsoft-com:vml" Requires="v">
-                <p:oleObj spid="_x0000_s29741" name="方程式" r:id="rId6" imgW="368280" imgH="177480" progId="Equation.3">
+                <p:oleObj spid="_x0000_s29755" name="方程式" r:id="rId6" imgW="368280" imgH="177480" progId="Equation.3">
                   <p:embed/>
                 </p:oleObj>
               </mc:Choice>
@@ -23178,13 +23469,6 @@
   <p:clrMapOvr>
     <a:masterClrMapping/>
   </p:clrMapOvr>
-  <p:timing>
-    <p:tnLst>
-      <p:par>
-        <p:cTn id="1" dur="indefinite" restart="never" nodeType="tmRoot"/>
-      </p:par>
-    </p:tnLst>
-  </p:timing>
 </p:sld>
 </file>
 
@@ -23410,7 +23694,7 @@
           <a:graphicData uri="http://schemas.openxmlformats.org/presentationml/2006/ole">
             <mc:AlternateContent xmlns:mc="http://schemas.openxmlformats.org/markup-compatibility/2006">
               <mc:Choice xmlns:v="urn:schemas-microsoft-com:vml" Requires="v">
-                <p:oleObj spid="_x0000_s32814" name="方程式" r:id="rId4" imgW="342720" imgH="177480" progId="Equation.3">
+                <p:oleObj spid="_x0000_s32828" name="方程式" r:id="rId4" imgW="342720" imgH="177480" progId="Equation.3">
                   <p:embed/>
                 </p:oleObj>
               </mc:Choice>
@@ -24568,7 +24852,7 @@
           <a:graphicData uri="http://schemas.openxmlformats.org/presentationml/2006/ole">
             <mc:AlternateContent xmlns:mc="http://schemas.openxmlformats.org/markup-compatibility/2006">
               <mc:Choice xmlns:v="urn:schemas-microsoft-com:vml" Requires="v">
-                <p:oleObj spid="_x0000_s32815" name="方程式" r:id="rId6" imgW="342720" imgH="177480" progId="Equation.3">
+                <p:oleObj spid="_x0000_s32829" name="方程式" r:id="rId6" imgW="342720" imgH="177480" progId="Equation.3">
                   <p:embed/>
                 </p:oleObj>
               </mc:Choice>
@@ -25084,13 +25368,6 @@
   <p:clrMapOvr>
     <a:masterClrMapping/>
   </p:clrMapOvr>
-  <p:timing>
-    <p:tnLst>
-      <p:par>
-        <p:cTn id="1" dur="indefinite" restart="never" nodeType="tmRoot"/>
-      </p:par>
-    </p:tnLst>
-  </p:timing>
 </p:sld>
 </file>
 
@@ -25771,7 +26048,7 @@
           <a:graphicData uri="http://schemas.openxmlformats.org/presentationml/2006/ole">
             <mc:AlternateContent xmlns:mc="http://schemas.openxmlformats.org/markup-compatibility/2006">
               <mc:Choice xmlns:v="urn:schemas-microsoft-com:vml" Requires="v">
-                <p:oleObj spid="_x0000_s36915" name="方程式" r:id="rId4" imgW="342720" imgH="177480" progId="Equation.3">
+                <p:oleObj spid="_x0000_s36929" name="方程式" r:id="rId4" imgW="342720" imgH="177480" progId="Equation.3">
                   <p:embed/>
                 </p:oleObj>
               </mc:Choice>
@@ -26761,7 +27038,7 @@
           <a:graphicData uri="http://schemas.openxmlformats.org/presentationml/2006/ole">
             <mc:AlternateContent xmlns:mc="http://schemas.openxmlformats.org/markup-compatibility/2006">
               <mc:Choice xmlns:v="urn:schemas-microsoft-com:vml" Requires="v">
-                <p:oleObj spid="_x0000_s36916" name="方程式" r:id="rId6" imgW="368280" imgH="177480" progId="Equation.3">
+                <p:oleObj spid="_x0000_s36930" name="方程式" r:id="rId6" imgW="368280" imgH="177480" progId="Equation.3">
                   <p:embed/>
                 </p:oleObj>
               </mc:Choice>
@@ -27226,17 +27503,17 @@
           <a:lstStyle/>
           <a:p>
             <a:r>
-              <a:rPr lang="en-US" altLang="zh-TW"/>
+              <a:rPr lang="en-US" altLang="zh-TW" dirty="0"/>
               <a:t>In some situations, we can also assert </a:t>
             </a:r>
             <a:r>
-              <a:rPr lang="en-US" altLang="zh-TW">
+              <a:rPr lang="en-US" altLang="zh-TW" dirty="0">
                 <a:latin typeface="Tahoma"/>
               </a:rPr>
               <a:t>“</a:t>
             </a:r>
             <a:r>
-              <a:rPr lang="en-US" altLang="zh-TW" u="sng">
+              <a:rPr lang="en-US" altLang="zh-TW" u="sng" dirty="0">
                 <a:solidFill>
                   <a:srgbClr val="0000CC"/>
                 </a:solidFill>
@@ -27244,21 +27521,21 @@
               <a:t>exactly one</a:t>
             </a:r>
             <a:r>
-              <a:rPr lang="en-US" altLang="zh-TW"/>
+              <a:rPr lang="en-US" altLang="zh-TW" dirty="0"/>
               <a:t>,</a:t>
             </a:r>
             <a:r>
-              <a:rPr lang="en-US" altLang="zh-TW">
+              <a:rPr lang="en-US" altLang="zh-TW" dirty="0">
                 <a:latin typeface="Tahoma"/>
               </a:rPr>
               <a:t>”</a:t>
             </a:r>
             <a:r>
-              <a:rPr lang="en-US" altLang="zh-TW"/>
+              <a:rPr lang="en-US" altLang="zh-TW" dirty="0"/>
               <a:t> i.e., each entity of one set </a:t>
             </a:r>
             <a:r>
-              <a:rPr lang="en-US" altLang="zh-TW" i="1">
+              <a:rPr lang="en-US" altLang="zh-TW" i="1" dirty="0">
                 <a:solidFill>
                   <a:srgbClr val="0000CC"/>
                 </a:solidFill>
@@ -27266,7 +27543,7 @@
               <a:t>must </a:t>
             </a:r>
             <a:r>
-              <a:rPr lang="en-US" altLang="zh-TW">
+              <a:rPr lang="en-US" altLang="zh-TW" dirty="0">
                 <a:solidFill>
                   <a:schemeClr val="bg2"/>
                 </a:solidFill>
@@ -27274,11 +27551,11 @@
               <a:t>be related</a:t>
             </a:r>
             <a:r>
-              <a:rPr lang="en-US" altLang="zh-TW"/>
+              <a:rPr lang="en-US" altLang="zh-TW" dirty="0"/>
               <a:t> to exactly one entity of the other set.  To do so, we use a </a:t>
             </a:r>
             <a:r>
-              <a:rPr lang="en-US" altLang="zh-TW" sz="4800" i="1" u="sng">
+              <a:rPr lang="en-US" altLang="zh-TW" sz="4800" i="1" u="sng" dirty="0">
                 <a:solidFill>
                   <a:srgbClr val="0000CC"/>
                 </a:solidFill>
@@ -27286,7 +27563,7 @@
               <a:t>rounded arrow</a:t>
             </a:r>
             <a:r>
-              <a:rPr lang="en-US" altLang="zh-TW"/>
+              <a:rPr lang="en-US" altLang="zh-TW" dirty="0"/>
               <a:t>.</a:t>
             </a:r>
           </a:p>
@@ -27297,13 +27574,6 @@
   <p:clrMapOvr>
     <a:masterClrMapping/>
   </p:clrMapOvr>
-  <p:timing>
-    <p:tnLst>
-      <p:par>
-        <p:cTn id="1" dur="indefinite" restart="never" nodeType="tmRoot"/>
-      </p:par>
-    </p:tnLst>
-  </p:timing>
 </p:sld>
 </file>
 
@@ -28435,7 +28705,7 @@
           <a:graphicData uri="http://schemas.openxmlformats.org/presentationml/2006/ole">
             <mc:AlternateContent xmlns:mc="http://schemas.openxmlformats.org/markup-compatibility/2006">
               <mc:Choice xmlns:v="urn:schemas-microsoft-com:vml" Requires="v">
-                <p:oleObj spid="_x0000_s38959" name="方程式" r:id="rId4" imgW="342720" imgH="177480" progId="Equation.3">
+                <p:oleObj spid="_x0000_s38966" name="方程式" r:id="rId4" imgW="342720" imgH="177480" progId="Equation.3">
                   <p:embed/>
                 </p:oleObj>
               </mc:Choice>
@@ -28847,13 +29117,6 @@
   <p:clrMapOvr>
     <a:masterClrMapping/>
   </p:clrMapOvr>
-  <p:timing>
-    <p:tnLst>
-      <p:par>
-        <p:cTn id="1" dur="indefinite" restart="never" nodeType="tmRoot"/>
-      </p:par>
-    </p:tnLst>
-  </p:timing>
 </p:sld>
 </file>
 
@@ -28973,13 +29236,6 @@
   <p:clrMapOvr>
     <a:masterClrMapping/>
   </p:clrMapOvr>
-  <p:timing>
-    <p:tnLst>
-      <p:par>
-        <p:cTn id="1" dur="indefinite" restart="never" nodeType="tmRoot"/>
-      </p:par>
-    </p:tnLst>
-  </p:timing>
 </p:sld>
 </file>
 
@@ -31184,13 +31440,6 @@
   <p:clrMapOvr>
     <a:masterClrMapping/>
   </p:clrMapOvr>
-  <p:timing>
-    <p:tnLst>
-      <p:par>
-        <p:cTn id="1" dur="indefinite" restart="never" nodeType="tmRoot"/>
-      </p:par>
-    </p:tnLst>
-  </p:timing>
 </p:sld>
 </file>
 
@@ -31300,13 +31549,6 @@
   <p:clrMapOvr>
     <a:masterClrMapping/>
   </p:clrMapOvr>
-  <p:timing>
-    <p:tnLst>
-      <p:par>
-        <p:cTn id="1" dur="indefinite" restart="never" nodeType="tmRoot"/>
-      </p:par>
-    </p:tnLst>
-  </p:timing>
 </p:sld>
 </file>
 
@@ -32234,13 +32476,6 @@
   <p:clrMapOvr>
     <a:masterClrMapping/>
   </p:clrMapOvr>
-  <p:timing>
-    <p:tnLst>
-      <p:par>
-        <p:cTn id="1" dur="indefinite" restart="never" nodeType="tmRoot"/>
-      </p:par>
-    </p:tnLst>
-  </p:timing>
 </p:sld>
 </file>
 
@@ -33451,13 +33686,6 @@
   <p:clrMapOvr>
     <a:masterClrMapping/>
   </p:clrMapOvr>
-  <p:timing>
-    <p:tnLst>
-      <p:par>
-        <p:cTn id="1" dur="indefinite" restart="never" nodeType="tmRoot"/>
-      </p:par>
-    </p:tnLst>
-  </p:timing>
 </p:sld>
 </file>
 
@@ -33596,13 +33824,6 @@
   <p:clrMapOvr>
     <a:masterClrMapping/>
   </p:clrMapOvr>
-  <p:timing>
-    <p:tnLst>
-      <p:par>
-        <p:cTn id="1" dur="indefinite" restart="never" nodeType="tmRoot"/>
-      </p:par>
-    </p:tnLst>
-  </p:timing>
 </p:sld>
 </file>
 
@@ -36347,13 +36568,6 @@
   <p:clrMapOvr>
     <a:masterClrMapping/>
   </p:clrMapOvr>
-  <p:timing>
-    <p:tnLst>
-      <p:par>
-        <p:cTn id="1" dur="indefinite" restart="never" nodeType="tmRoot"/>
-      </p:par>
-    </p:tnLst>
-  </p:timing>
 </p:sld>
 </file>
 
@@ -37380,13 +37594,6 @@
   <p:clrMapOvr>
     <a:masterClrMapping/>
   </p:clrMapOvr>
-  <p:timing>
-    <p:tnLst>
-      <p:par>
-        <p:cTn id="1" dur="indefinite" restart="never" nodeType="tmRoot"/>
-      </p:par>
-    </p:tnLst>
-  </p:timing>
 </p:sld>
 </file>
 
@@ -37530,13 +37737,6 @@
   <p:clrMapOvr>
     <a:masterClrMapping/>
   </p:clrMapOvr>
-  <p:timing>
-    <p:tnLst>
-      <p:par>
-        <p:cTn id="1" dur="indefinite" restart="never" nodeType="tmRoot"/>
-      </p:par>
-    </p:tnLst>
-  </p:timing>
 </p:sld>
 </file>
 
@@ -38458,13 +38658,6 @@
   <p:clrMapOvr>
     <a:masterClrMapping/>
   </p:clrMapOvr>
-  <p:timing>
-    <p:tnLst>
-      <p:par>
-        <p:cTn id="1" dur="indefinite" restart="never" nodeType="tmRoot"/>
-      </p:par>
-    </p:tnLst>
-  </p:timing>
 </p:sld>
 </file>
 
@@ -39105,13 +39298,6 @@
   <p:clrMapOvr>
     <a:masterClrMapping/>
   </p:clrMapOvr>
-  <p:timing>
-    <p:tnLst>
-      <p:par>
-        <p:cTn id="1" dur="indefinite" restart="never" nodeType="tmRoot"/>
-      </p:par>
-    </p:tnLst>
-  </p:timing>
 </p:sld>
 </file>
 
@@ -40604,13 +40790,6 @@
   <p:clrMapOvr>
     <a:masterClrMapping/>
   </p:clrMapOvr>
-  <p:timing>
-    <p:tnLst>
-      <p:par>
-        <p:cTn id="1" dur="indefinite" restart="never" nodeType="tmRoot"/>
-      </p:par>
-    </p:tnLst>
-  </p:timing>
 </p:sld>
 </file>
 
@@ -41458,13 +41637,6 @@
   <p:clrMapOvr>
     <a:masterClrMapping/>
   </p:clrMapOvr>
-  <p:timing>
-    <p:tnLst>
-      <p:par>
-        <p:cTn id="1" dur="indefinite" restart="never" nodeType="tmRoot"/>
-      </p:par>
-    </p:tnLst>
-  </p:timing>
 </p:sld>
 </file>
 
@@ -41590,13 +41762,6 @@
   <p:clrMapOvr>
     <a:masterClrMapping/>
   </p:clrMapOvr>
-  <p:timing>
-    <p:tnLst>
-      <p:par>
-        <p:cTn id="1" dur="indefinite" restart="never" nodeType="tmRoot"/>
-      </p:par>
-    </p:tnLst>
-  </p:timing>
 </p:sld>
 </file>
 
@@ -43326,13 +43491,6 @@
   <p:clrMapOvr>
     <a:masterClrMapping/>
   </p:clrMapOvr>
-  <p:timing>
-    <p:tnLst>
-      <p:par>
-        <p:cTn id="1" dur="indefinite" restart="never" nodeType="tmRoot"/>
-      </p:par>
-    </p:tnLst>
-  </p:timing>
 </p:sld>
 </file>
 
@@ -43505,13 +43663,6 @@
   <p:clrMapOvr>
     <a:masterClrMapping/>
   </p:clrMapOvr>
-  <p:timing>
-    <p:tnLst>
-      <p:par>
-        <p:cTn id="1" dur="indefinite" restart="never" nodeType="tmRoot"/>
-      </p:par>
-    </p:tnLst>
-  </p:timing>
 </p:sld>
 </file>
 
@@ -43676,13 +43827,6 @@
   <p:clrMapOvr>
     <a:masterClrMapping/>
   </p:clrMapOvr>
-  <p:timing>
-    <p:tnLst>
-      <p:par>
-        <p:cTn id="1" dur="indefinite" restart="never" nodeType="tmRoot"/>
-      </p:par>
-    </p:tnLst>
-  </p:timing>
 </p:sld>
 </file>
 
@@ -43985,13 +44129,6 @@
   <p:clrMapOvr>
     <a:masterClrMapping/>
   </p:clrMapOvr>
-  <p:timing>
-    <p:tnLst>
-      <p:par>
-        <p:cTn id="1" dur="indefinite" restart="never" nodeType="tmRoot"/>
-      </p:par>
-    </p:tnLst>
-  </p:timing>
 </p:sld>
 </file>
 
@@ -44706,13 +44843,6 @@
   <p:clrMapOvr>
     <a:masterClrMapping/>
   </p:clrMapOvr>
-  <p:timing>
-    <p:tnLst>
-      <p:par>
-        <p:cTn id="1" dur="indefinite" restart="never" nodeType="tmRoot"/>
-      </p:par>
-    </p:tnLst>
-  </p:timing>
 </p:sld>
 </file>
 
@@ -45627,13 +45757,6 @@
   <p:clrMapOvr>
     <a:masterClrMapping/>
   </p:clrMapOvr>
-  <p:timing>
-    <p:tnLst>
-      <p:par>
-        <p:cTn id="1" dur="indefinite" restart="never" nodeType="tmRoot"/>
-      </p:par>
-    </p:tnLst>
-  </p:timing>
 </p:sld>
 </file>
 
@@ -46131,13 +46254,6 @@
   <p:clrMapOvr>
     <a:masterClrMapping/>
   </p:clrMapOvr>
-  <p:timing>
-    <p:tnLst>
-      <p:par>
-        <p:cTn id="1" dur="indefinite" restart="never" nodeType="tmRoot"/>
-      </p:par>
-    </p:tnLst>
-  </p:timing>
 </p:sld>
 </file>
 
@@ -46303,13 +46419,6 @@
   <p:clrMapOvr>
     <a:masterClrMapping/>
   </p:clrMapOvr>
-  <p:timing>
-    <p:tnLst>
-      <p:par>
-        <p:cTn id="1" dur="indefinite" restart="never" nodeType="tmRoot"/>
-      </p:par>
-    </p:tnLst>
-  </p:timing>
 </p:sld>
 </file>
 
@@ -47080,13 +47189,6 @@
   <p:clrMapOvr>
     <a:masterClrMapping/>
   </p:clrMapOvr>
-  <p:timing>
-    <p:tnLst>
-      <p:par>
-        <p:cTn id="1" dur="indefinite" restart="never" nodeType="tmRoot"/>
-      </p:par>
-    </p:tnLst>
-  </p:timing>
 </p:sld>
 </file>
 
@@ -47491,13 +47593,6 @@
   <p:clrMapOvr>
     <a:masterClrMapping/>
   </p:clrMapOvr>
-  <p:timing>
-    <p:tnLst>
-      <p:par>
-        <p:cTn id="1" dur="indefinite" restart="never" nodeType="tmRoot"/>
-      </p:par>
-    </p:tnLst>
-  </p:timing>
 </p:sld>
 </file>
 
@@ -48216,13 +48311,6 @@
   <p:clrMapOvr>
     <a:masterClrMapping/>
   </p:clrMapOvr>
-  <p:timing>
-    <p:tnLst>
-      <p:par>
-        <p:cTn id="1" dur="indefinite" restart="never" nodeType="tmRoot"/>
-      </p:par>
-    </p:tnLst>
-  </p:timing>
 </p:sld>
 </file>
 
@@ -48373,13 +48461,6 @@
   <p:clrMapOvr>
     <a:masterClrMapping/>
   </p:clrMapOvr>
-  <p:timing>
-    <p:tnLst>
-      <p:par>
-        <p:cTn id="1" dur="indefinite" restart="never" nodeType="tmRoot"/>
-      </p:par>
-    </p:tnLst>
-  </p:timing>
 </p:sld>
 </file>
 
@@ -48514,13 +48595,6 @@
   <p:clrMapOvr>
     <a:masterClrMapping/>
   </p:clrMapOvr>
-  <p:timing>
-    <p:tnLst>
-      <p:par>
-        <p:cTn id="1" dur="indefinite" restart="never" nodeType="tmRoot"/>
-      </p:par>
-    </p:tnLst>
-  </p:timing>
 </p:sld>
 </file>
 
@@ -49257,13 +49331,6 @@
   <p:clrMapOvr>
     <a:masterClrMapping/>
   </p:clrMapOvr>
-  <p:timing>
-    <p:tnLst>
-      <p:par>
-        <p:cTn id="1" dur="indefinite" restart="never" nodeType="tmRoot"/>
-      </p:par>
-    </p:tnLst>
-  </p:timing>
 </p:sld>
 </file>
 
